--- a/Præsentation.pptx
+++ b/Præsentation.pptx
@@ -7,11 +7,12 @@
   <p:sldIdLst>
     <p:sldId id="256" r:id="rId2"/>
     <p:sldId id="257" r:id="rId3"/>
-    <p:sldId id="258" r:id="rId4"/>
-    <p:sldId id="259" r:id="rId5"/>
-    <p:sldId id="260" r:id="rId6"/>
-    <p:sldId id="261" r:id="rId7"/>
-    <p:sldId id="262" r:id="rId8"/>
+    <p:sldId id="263" r:id="rId4"/>
+    <p:sldId id="258" r:id="rId5"/>
+    <p:sldId id="259" r:id="rId6"/>
+    <p:sldId id="260" r:id="rId7"/>
+    <p:sldId id="261" r:id="rId8"/>
+    <p:sldId id="262" r:id="rId9"/>
   </p:sldIdLst>
   <p:sldSz cx="12192000" cy="6858000"/>
   <p:notesSz cx="6858000" cy="9144000"/>
@@ -265,7 +266,7 @@
           <a:p>
             <a:fld id="{AF6C19AE-3B1E-4202-ABBA-C23693BAF9C2}" type="datetimeFigureOut">
               <a:rPr lang="da-DK" smtClean="0"/>
-              <a:t>08-04-2019</a:t>
+              <a:t>09-04-2019</a:t>
             </a:fld>
             <a:endParaRPr lang="da-DK"/>
           </a:p>
@@ -463,7 +464,7 @@
           <a:p>
             <a:fld id="{AF6C19AE-3B1E-4202-ABBA-C23693BAF9C2}" type="datetimeFigureOut">
               <a:rPr lang="da-DK" smtClean="0"/>
-              <a:t>08-04-2019</a:t>
+              <a:t>09-04-2019</a:t>
             </a:fld>
             <a:endParaRPr lang="da-DK"/>
           </a:p>
@@ -671,7 +672,7 @@
           <a:p>
             <a:fld id="{AF6C19AE-3B1E-4202-ABBA-C23693BAF9C2}" type="datetimeFigureOut">
               <a:rPr lang="da-DK" smtClean="0"/>
-              <a:t>08-04-2019</a:t>
+              <a:t>09-04-2019</a:t>
             </a:fld>
             <a:endParaRPr lang="da-DK"/>
           </a:p>
@@ -869,7 +870,7 @@
           <a:p>
             <a:fld id="{AF6C19AE-3B1E-4202-ABBA-C23693BAF9C2}" type="datetimeFigureOut">
               <a:rPr lang="da-DK" smtClean="0"/>
-              <a:t>08-04-2019</a:t>
+              <a:t>09-04-2019</a:t>
             </a:fld>
             <a:endParaRPr lang="da-DK"/>
           </a:p>
@@ -1144,7 +1145,7 @@
           <a:p>
             <a:fld id="{AF6C19AE-3B1E-4202-ABBA-C23693BAF9C2}" type="datetimeFigureOut">
               <a:rPr lang="da-DK" smtClean="0"/>
-              <a:t>08-04-2019</a:t>
+              <a:t>09-04-2019</a:t>
             </a:fld>
             <a:endParaRPr lang="da-DK"/>
           </a:p>
@@ -1409,7 +1410,7 @@
           <a:p>
             <a:fld id="{AF6C19AE-3B1E-4202-ABBA-C23693BAF9C2}" type="datetimeFigureOut">
               <a:rPr lang="da-DK" smtClean="0"/>
-              <a:t>08-04-2019</a:t>
+              <a:t>09-04-2019</a:t>
             </a:fld>
             <a:endParaRPr lang="da-DK"/>
           </a:p>
@@ -1821,7 +1822,7 @@
           <a:p>
             <a:fld id="{AF6C19AE-3B1E-4202-ABBA-C23693BAF9C2}" type="datetimeFigureOut">
               <a:rPr lang="da-DK" smtClean="0"/>
-              <a:t>08-04-2019</a:t>
+              <a:t>09-04-2019</a:t>
             </a:fld>
             <a:endParaRPr lang="da-DK"/>
           </a:p>
@@ -1962,7 +1963,7 @@
           <a:p>
             <a:fld id="{AF6C19AE-3B1E-4202-ABBA-C23693BAF9C2}" type="datetimeFigureOut">
               <a:rPr lang="da-DK" smtClean="0"/>
-              <a:t>08-04-2019</a:t>
+              <a:t>09-04-2019</a:t>
             </a:fld>
             <a:endParaRPr lang="da-DK"/>
           </a:p>
@@ -2075,7 +2076,7 @@
           <a:p>
             <a:fld id="{AF6C19AE-3B1E-4202-ABBA-C23693BAF9C2}" type="datetimeFigureOut">
               <a:rPr lang="da-DK" smtClean="0"/>
-              <a:t>08-04-2019</a:t>
+              <a:t>09-04-2019</a:t>
             </a:fld>
             <a:endParaRPr lang="da-DK"/>
           </a:p>
@@ -2386,7 +2387,7 @@
           <a:p>
             <a:fld id="{AF6C19AE-3B1E-4202-ABBA-C23693BAF9C2}" type="datetimeFigureOut">
               <a:rPr lang="da-DK" smtClean="0"/>
-              <a:t>08-04-2019</a:t>
+              <a:t>09-04-2019</a:t>
             </a:fld>
             <a:endParaRPr lang="da-DK"/>
           </a:p>
@@ -2674,7 +2675,7 @@
           <a:p>
             <a:fld id="{AF6C19AE-3B1E-4202-ABBA-C23693BAF9C2}" type="datetimeFigureOut">
               <a:rPr lang="da-DK" smtClean="0"/>
-              <a:t>08-04-2019</a:t>
+              <a:t>09-04-2019</a:t>
             </a:fld>
             <a:endParaRPr lang="da-DK"/>
           </a:p>
@@ -2915,7 +2916,7 @@
           <a:p>
             <a:fld id="{AF6C19AE-3B1E-4202-ABBA-C23693BAF9C2}" type="datetimeFigureOut">
               <a:rPr lang="da-DK" smtClean="0"/>
-              <a:t>08-04-2019</a:t>
+              <a:t>09-04-2019</a:t>
             </a:fld>
             <a:endParaRPr lang="da-DK"/>
           </a:p>
@@ -3589,6 +3590,116 @@
           <p:cNvPr id="2" name="Titel 1">
             <a:extLst>
               <a:ext uri="{FF2B5EF4-FFF2-40B4-BE49-F238E27FC236}">
+                <a16:creationId xmlns:a16="http://schemas.microsoft.com/office/drawing/2014/main" id="{30BF08D0-F470-4898-90D3-1612A192E06D}"/>
+              </a:ext>
+            </a:extLst>
+          </p:cNvPr>
+          <p:cNvSpPr>
+            <a:spLocks noGrp="1"/>
+          </p:cNvSpPr>
+          <p:nvPr>
+            <p:ph type="title"/>
+          </p:nvPr>
+        </p:nvSpPr>
+        <p:spPr/>
+        <p:txBody>
+          <a:bodyPr/>
+          <a:lstStyle/>
+          <a:p>
+            <a:endParaRPr lang="da-DK"/>
+          </a:p>
+        </p:txBody>
+      </p:sp>
+      <p:sp>
+        <p:nvSpPr>
+          <p:cNvPr id="3" name="Pladsholder til indhold 2">
+            <a:extLst>
+              <a:ext uri="{FF2B5EF4-FFF2-40B4-BE49-F238E27FC236}">
+                <a16:creationId xmlns:a16="http://schemas.microsoft.com/office/drawing/2014/main" id="{5D5D1238-F274-43FB-ABC5-0F64D2538118}"/>
+              </a:ext>
+            </a:extLst>
+          </p:cNvPr>
+          <p:cNvSpPr>
+            <a:spLocks noGrp="1"/>
+          </p:cNvSpPr>
+          <p:nvPr>
+            <p:ph idx="1"/>
+          </p:nvPr>
+        </p:nvSpPr>
+        <p:spPr/>
+        <p:txBody>
+          <a:bodyPr/>
+          <a:lstStyle/>
+          <a:p>
+            <a:endParaRPr lang="da-DK"/>
+          </a:p>
+        </p:txBody>
+      </p:sp>
+      <p:pic>
+        <p:nvPicPr>
+          <p:cNvPr id="4" name="Billede 3">
+            <a:extLst>
+              <a:ext uri="{FF2B5EF4-FFF2-40B4-BE49-F238E27FC236}">
+                <a16:creationId xmlns:a16="http://schemas.microsoft.com/office/drawing/2014/main" id="{7FDE689B-6261-4B32-BEE8-255822034490}"/>
+              </a:ext>
+            </a:extLst>
+          </p:cNvPr>
+          <p:cNvPicPr>
+            <a:picLocks noChangeAspect="1"/>
+          </p:cNvPicPr>
+          <p:nvPr/>
+        </p:nvPicPr>
+        <p:blipFill>
+          <a:blip r:embed="rId2"/>
+          <a:stretch>
+            <a:fillRect/>
+          </a:stretch>
+        </p:blipFill>
+        <p:spPr>
+          <a:xfrm>
+            <a:off x="384331" y="365125"/>
+            <a:ext cx="11667709" cy="6223244"/>
+          </a:xfrm>
+          <a:prstGeom prst="rect">
+            <a:avLst/>
+          </a:prstGeom>
+        </p:spPr>
+      </p:pic>
+    </p:spTree>
+    <p:extLst>
+      <p:ext uri="{BB962C8B-B14F-4D97-AF65-F5344CB8AC3E}">
+        <p14:creationId xmlns:p14="http://schemas.microsoft.com/office/powerpoint/2010/main" val="3164219038"/>
+      </p:ext>
+    </p:extLst>
+  </p:cSld>
+  <p:clrMapOvr>
+    <a:masterClrMapping/>
+  </p:clrMapOvr>
+</p:sld>
+</file>
+
+<file path=ppt/slides/slide4.xml><?xml version="1.0" encoding="utf-8"?>
+<p:sld xmlns:a="http://schemas.openxmlformats.org/drawingml/2006/main" xmlns:r="http://schemas.openxmlformats.org/officeDocument/2006/relationships" xmlns:p="http://schemas.openxmlformats.org/presentationml/2006/main">
+  <p:cSld>
+    <p:spTree>
+      <p:nvGrpSpPr>
+        <p:cNvPr id="1" name=""/>
+        <p:cNvGrpSpPr/>
+        <p:nvPr/>
+      </p:nvGrpSpPr>
+      <p:grpSpPr>
+        <a:xfrm>
+          <a:off x="0" y="0"/>
+          <a:ext cx="0" cy="0"/>
+          <a:chOff x="0" y="0"/>
+          <a:chExt cx="0" cy="0"/>
+        </a:xfrm>
+      </p:grpSpPr>
+      <p:sp>
+        <p:nvSpPr>
+          <p:cNvPr id="2" name="Titel 1">
+            <a:extLst>
+              <a:ext uri="{FF2B5EF4-FFF2-40B4-BE49-F238E27FC236}">
                 <a16:creationId xmlns:a16="http://schemas.microsoft.com/office/drawing/2014/main" id="{6650C9F2-B9DD-473F-AEF3-CC58A7C69A9D}"/>
               </a:ext>
             </a:extLst>
@@ -3710,7 +3821,7 @@
 </p:sld>
 </file>
 
-<file path=ppt/slides/slide4.xml><?xml version="1.0" encoding="utf-8"?>
+<file path=ppt/slides/slide5.xml><?xml version="1.0" encoding="utf-8"?>
 <p:sld xmlns:a="http://schemas.openxmlformats.org/drawingml/2006/main" xmlns:r="http://schemas.openxmlformats.org/officeDocument/2006/relationships" xmlns:p="http://schemas.openxmlformats.org/presentationml/2006/main">
   <p:cSld>
     <p:spTree>
@@ -3872,7 +3983,7 @@
 </p:sld>
 </file>
 
-<file path=ppt/slides/slide5.xml><?xml version="1.0" encoding="utf-8"?>
+<file path=ppt/slides/slide6.xml><?xml version="1.0" encoding="utf-8"?>
 <p:sld xmlns:a="http://schemas.openxmlformats.org/drawingml/2006/main" xmlns:r="http://schemas.openxmlformats.org/officeDocument/2006/relationships" xmlns:p="http://schemas.openxmlformats.org/presentationml/2006/main">
   <p:cSld>
     <p:spTree>
@@ -3993,7 +4104,7 @@
 </p:sld>
 </file>
 
-<file path=ppt/slides/slide6.xml><?xml version="1.0" encoding="utf-8"?>
+<file path=ppt/slides/slide7.xml><?xml version="1.0" encoding="utf-8"?>
 <p:sld xmlns:a="http://schemas.openxmlformats.org/drawingml/2006/main" xmlns:r="http://schemas.openxmlformats.org/officeDocument/2006/relationships" xmlns:p="http://schemas.openxmlformats.org/presentationml/2006/main">
   <p:cSld>
     <p:spTree>
@@ -4144,7 +4255,7 @@
 </p:sld>
 </file>
 
-<file path=ppt/slides/slide7.xml><?xml version="1.0" encoding="utf-8"?>
+<file path=ppt/slides/slide8.xml><?xml version="1.0" encoding="utf-8"?>
 <p:sld xmlns:a="http://schemas.openxmlformats.org/drawingml/2006/main" xmlns:r="http://schemas.openxmlformats.org/officeDocument/2006/relationships" xmlns:p="http://schemas.openxmlformats.org/presentationml/2006/main">
   <p:cSld>
     <p:spTree>

--- a/Præsentation.pptx
+++ b/Præsentation.pptx
@@ -265,7 +265,7 @@
           <a:p>
             <a:fld id="{AF6C19AE-3B1E-4202-ABBA-C23693BAF9C2}" type="datetimeFigureOut">
               <a:rPr lang="da-DK" smtClean="0"/>
-              <a:t>08-04-2019</a:t>
+              <a:t>09-04-2019</a:t>
             </a:fld>
             <a:endParaRPr lang="da-DK"/>
           </a:p>
@@ -463,7 +463,7 @@
           <a:p>
             <a:fld id="{AF6C19AE-3B1E-4202-ABBA-C23693BAF9C2}" type="datetimeFigureOut">
               <a:rPr lang="da-DK" smtClean="0"/>
-              <a:t>08-04-2019</a:t>
+              <a:t>09-04-2019</a:t>
             </a:fld>
             <a:endParaRPr lang="da-DK"/>
           </a:p>
@@ -671,7 +671,7 @@
           <a:p>
             <a:fld id="{AF6C19AE-3B1E-4202-ABBA-C23693BAF9C2}" type="datetimeFigureOut">
               <a:rPr lang="da-DK" smtClean="0"/>
-              <a:t>08-04-2019</a:t>
+              <a:t>09-04-2019</a:t>
             </a:fld>
             <a:endParaRPr lang="da-DK"/>
           </a:p>
@@ -869,7 +869,7 @@
           <a:p>
             <a:fld id="{AF6C19AE-3B1E-4202-ABBA-C23693BAF9C2}" type="datetimeFigureOut">
               <a:rPr lang="da-DK" smtClean="0"/>
-              <a:t>08-04-2019</a:t>
+              <a:t>09-04-2019</a:t>
             </a:fld>
             <a:endParaRPr lang="da-DK"/>
           </a:p>
@@ -1144,7 +1144,7 @@
           <a:p>
             <a:fld id="{AF6C19AE-3B1E-4202-ABBA-C23693BAF9C2}" type="datetimeFigureOut">
               <a:rPr lang="da-DK" smtClean="0"/>
-              <a:t>08-04-2019</a:t>
+              <a:t>09-04-2019</a:t>
             </a:fld>
             <a:endParaRPr lang="da-DK"/>
           </a:p>
@@ -1409,7 +1409,7 @@
           <a:p>
             <a:fld id="{AF6C19AE-3B1E-4202-ABBA-C23693BAF9C2}" type="datetimeFigureOut">
               <a:rPr lang="da-DK" smtClean="0"/>
-              <a:t>08-04-2019</a:t>
+              <a:t>09-04-2019</a:t>
             </a:fld>
             <a:endParaRPr lang="da-DK"/>
           </a:p>
@@ -1821,7 +1821,7 @@
           <a:p>
             <a:fld id="{AF6C19AE-3B1E-4202-ABBA-C23693BAF9C2}" type="datetimeFigureOut">
               <a:rPr lang="da-DK" smtClean="0"/>
-              <a:t>08-04-2019</a:t>
+              <a:t>09-04-2019</a:t>
             </a:fld>
             <a:endParaRPr lang="da-DK"/>
           </a:p>
@@ -1962,7 +1962,7 @@
           <a:p>
             <a:fld id="{AF6C19AE-3B1E-4202-ABBA-C23693BAF9C2}" type="datetimeFigureOut">
               <a:rPr lang="da-DK" smtClean="0"/>
-              <a:t>08-04-2019</a:t>
+              <a:t>09-04-2019</a:t>
             </a:fld>
             <a:endParaRPr lang="da-DK"/>
           </a:p>
@@ -2075,7 +2075,7 @@
           <a:p>
             <a:fld id="{AF6C19AE-3B1E-4202-ABBA-C23693BAF9C2}" type="datetimeFigureOut">
               <a:rPr lang="da-DK" smtClean="0"/>
-              <a:t>08-04-2019</a:t>
+              <a:t>09-04-2019</a:t>
             </a:fld>
             <a:endParaRPr lang="da-DK"/>
           </a:p>
@@ -2386,7 +2386,7 @@
           <a:p>
             <a:fld id="{AF6C19AE-3B1E-4202-ABBA-C23693BAF9C2}" type="datetimeFigureOut">
               <a:rPr lang="da-DK" smtClean="0"/>
-              <a:t>08-04-2019</a:t>
+              <a:t>09-04-2019</a:t>
             </a:fld>
             <a:endParaRPr lang="da-DK"/>
           </a:p>
@@ -2674,7 +2674,7 @@
           <a:p>
             <a:fld id="{AF6C19AE-3B1E-4202-ABBA-C23693BAF9C2}" type="datetimeFigureOut">
               <a:rPr lang="da-DK" smtClean="0"/>
-              <a:t>08-04-2019</a:t>
+              <a:t>09-04-2019</a:t>
             </a:fld>
             <a:endParaRPr lang="da-DK"/>
           </a:p>
@@ -2915,7 +2915,7 @@
           <a:p>
             <a:fld id="{AF6C19AE-3B1E-4202-ABBA-C23693BAF9C2}" type="datetimeFigureOut">
               <a:rPr lang="da-DK" smtClean="0"/>
-              <a:t>08-04-2019</a:t>
+              <a:t>09-04-2019</a:t>
             </a:fld>
             <a:endParaRPr lang="da-DK"/>
           </a:p>
@@ -3409,19 +3409,19 @@
           <a:p>
             <a:r>
               <a:rPr lang="da-DK" dirty="0"/>
-              <a:t>Oskar T. Hansen -</a:t>
+              <a:t>Oskar T. Hansen - au575348</a:t>
             </a:r>
           </a:p>
           <a:p>
             <a:r>
               <a:rPr lang="da-DK" dirty="0"/>
-              <a:t>Thomas Møller -</a:t>
+              <a:t>Thomas Møller – au580513</a:t>
             </a:r>
           </a:p>
           <a:p>
             <a:r>
               <a:rPr lang="da-DK" dirty="0"/>
-              <a:t>Mathias Nortvig Thomassen -</a:t>
+              <a:t>Mathias Nortvig Thomassen – au580521</a:t>
             </a:r>
           </a:p>
           <a:p>

--- a/Præsentation.pptx
+++ b/Præsentation.pptx
@@ -118,6 +118,35 @@
 </p:presentation>
 </file>
 
+<file path=ppt/changesInfos/changesInfo1.xml><?xml version="1.0" encoding="utf-8"?>
+<pc:chgInfo xmlns:a="http://schemas.openxmlformats.org/drawingml/2006/main" xmlns:r="http://schemas.openxmlformats.org/officeDocument/2006/relationships" xmlns:ac="http://schemas.microsoft.com/office/drawing/2013/main/command" xmlns:pc="http://schemas.microsoft.com/office/powerpoint/2013/main/command">
+  <pc:docChgLst>
+    <pc:chgData name="Oskar Thorin Hansen" userId="26a427c7-f0b6-4fa8-8986-3ed550a0d962" providerId="ADAL" clId="{7CA1AD66-4B43-48AF-961A-EDC405A5F6F9}"/>
+    <pc:docChg chg="undo custSel modSld">
+      <pc:chgData name="Oskar Thorin Hansen" userId="26a427c7-f0b6-4fa8-8986-3ed550a0d962" providerId="ADAL" clId="{7CA1AD66-4B43-48AF-961A-EDC405A5F6F9}" dt="2019-04-09T09:36:55.918" v="12" actId="20577"/>
+      <pc:docMkLst>
+        <pc:docMk/>
+      </pc:docMkLst>
+      <pc:sldChg chg="modSp">
+        <pc:chgData name="Oskar Thorin Hansen" userId="26a427c7-f0b6-4fa8-8986-3ed550a0d962" providerId="ADAL" clId="{7CA1AD66-4B43-48AF-961A-EDC405A5F6F9}" dt="2019-04-09T09:36:55.918" v="12" actId="20577"/>
+        <pc:sldMkLst>
+          <pc:docMk/>
+          <pc:sldMk cId="3891294531" sldId="256"/>
+        </pc:sldMkLst>
+        <pc:spChg chg="mod">
+          <ac:chgData name="Oskar Thorin Hansen" userId="26a427c7-f0b6-4fa8-8986-3ed550a0d962" providerId="ADAL" clId="{7CA1AD66-4B43-48AF-961A-EDC405A5F6F9}" dt="2019-04-09T09:36:55.918" v="12" actId="20577"/>
+          <ac:spMkLst>
+            <pc:docMk/>
+            <pc:sldMk cId="3891294531" sldId="256"/>
+            <ac:spMk id="3" creationId="{A08EAA44-274F-4FF3-80DF-B528B27CB3DE}"/>
+          </ac:spMkLst>
+        </pc:spChg>
+      </pc:sldChg>
+    </pc:docChg>
+  </pc:docChgLst>
+</pc:chgInfo>
+</file>
+
 <file path=ppt/slideLayouts/slideLayout1.xml><?xml version="1.0" encoding="utf-8"?>
 <p:sldLayout xmlns:a="http://schemas.openxmlformats.org/drawingml/2006/main" xmlns:r="http://schemas.openxmlformats.org/officeDocument/2006/relationships" xmlns:p="http://schemas.openxmlformats.org/presentationml/2006/main" type="title" preserve="1">
   <p:cSld name="Titelslide">
@@ -265,7 +294,7 @@
           <a:p>
             <a:fld id="{AF6C19AE-3B1E-4202-ABBA-C23693BAF9C2}" type="datetimeFigureOut">
               <a:rPr lang="da-DK" smtClean="0"/>
-              <a:t>08-04-2019</a:t>
+              <a:t>09-04-2019</a:t>
             </a:fld>
             <a:endParaRPr lang="da-DK"/>
           </a:p>
@@ -463,7 +492,7 @@
           <a:p>
             <a:fld id="{AF6C19AE-3B1E-4202-ABBA-C23693BAF9C2}" type="datetimeFigureOut">
               <a:rPr lang="da-DK" smtClean="0"/>
-              <a:t>08-04-2019</a:t>
+              <a:t>09-04-2019</a:t>
             </a:fld>
             <a:endParaRPr lang="da-DK"/>
           </a:p>
@@ -671,7 +700,7 @@
           <a:p>
             <a:fld id="{AF6C19AE-3B1E-4202-ABBA-C23693BAF9C2}" type="datetimeFigureOut">
               <a:rPr lang="da-DK" smtClean="0"/>
-              <a:t>08-04-2019</a:t>
+              <a:t>09-04-2019</a:t>
             </a:fld>
             <a:endParaRPr lang="da-DK"/>
           </a:p>
@@ -869,7 +898,7 @@
           <a:p>
             <a:fld id="{AF6C19AE-3B1E-4202-ABBA-C23693BAF9C2}" type="datetimeFigureOut">
               <a:rPr lang="da-DK" smtClean="0"/>
-              <a:t>08-04-2019</a:t>
+              <a:t>09-04-2019</a:t>
             </a:fld>
             <a:endParaRPr lang="da-DK"/>
           </a:p>
@@ -1144,7 +1173,7 @@
           <a:p>
             <a:fld id="{AF6C19AE-3B1E-4202-ABBA-C23693BAF9C2}" type="datetimeFigureOut">
               <a:rPr lang="da-DK" smtClean="0"/>
-              <a:t>08-04-2019</a:t>
+              <a:t>09-04-2019</a:t>
             </a:fld>
             <a:endParaRPr lang="da-DK"/>
           </a:p>
@@ -1409,7 +1438,7 @@
           <a:p>
             <a:fld id="{AF6C19AE-3B1E-4202-ABBA-C23693BAF9C2}" type="datetimeFigureOut">
               <a:rPr lang="da-DK" smtClean="0"/>
-              <a:t>08-04-2019</a:t>
+              <a:t>09-04-2019</a:t>
             </a:fld>
             <a:endParaRPr lang="da-DK"/>
           </a:p>
@@ -1821,7 +1850,7 @@
           <a:p>
             <a:fld id="{AF6C19AE-3B1E-4202-ABBA-C23693BAF9C2}" type="datetimeFigureOut">
               <a:rPr lang="da-DK" smtClean="0"/>
-              <a:t>08-04-2019</a:t>
+              <a:t>09-04-2019</a:t>
             </a:fld>
             <a:endParaRPr lang="da-DK"/>
           </a:p>
@@ -1962,7 +1991,7 @@
           <a:p>
             <a:fld id="{AF6C19AE-3B1E-4202-ABBA-C23693BAF9C2}" type="datetimeFigureOut">
               <a:rPr lang="da-DK" smtClean="0"/>
-              <a:t>08-04-2019</a:t>
+              <a:t>09-04-2019</a:t>
             </a:fld>
             <a:endParaRPr lang="da-DK"/>
           </a:p>
@@ -2075,7 +2104,7 @@
           <a:p>
             <a:fld id="{AF6C19AE-3B1E-4202-ABBA-C23693BAF9C2}" type="datetimeFigureOut">
               <a:rPr lang="da-DK" smtClean="0"/>
-              <a:t>08-04-2019</a:t>
+              <a:t>09-04-2019</a:t>
             </a:fld>
             <a:endParaRPr lang="da-DK"/>
           </a:p>
@@ -2386,7 +2415,7 @@
           <a:p>
             <a:fld id="{AF6C19AE-3B1E-4202-ABBA-C23693BAF9C2}" type="datetimeFigureOut">
               <a:rPr lang="da-DK" smtClean="0"/>
-              <a:t>08-04-2019</a:t>
+              <a:t>09-04-2019</a:t>
             </a:fld>
             <a:endParaRPr lang="da-DK"/>
           </a:p>
@@ -2674,7 +2703,7 @@
           <a:p>
             <a:fld id="{AF6C19AE-3B1E-4202-ABBA-C23693BAF9C2}" type="datetimeFigureOut">
               <a:rPr lang="da-DK" smtClean="0"/>
-              <a:t>08-04-2019</a:t>
+              <a:t>09-04-2019</a:t>
             </a:fld>
             <a:endParaRPr lang="da-DK"/>
           </a:p>
@@ -2915,7 +2944,7 @@
           <a:p>
             <a:fld id="{AF6C19AE-3B1E-4202-ABBA-C23693BAF9C2}" type="datetimeFigureOut">
               <a:rPr lang="da-DK" smtClean="0"/>
-              <a:t>08-04-2019</a:t>
+              <a:t>09-04-2019</a:t>
             </a:fld>
             <a:endParaRPr lang="da-DK"/>
           </a:p>
@@ -3409,8 +3438,13 @@
           <a:p>
             <a:r>
               <a:rPr lang="da-DK" dirty="0"/>
-              <a:t>Oskar T. Hansen -</a:t>
-            </a:r>
+              <a:t>Oskar T. </a:t>
+            </a:r>
+            <a:r>
+              <a:rPr lang="da-DK"/>
+              <a:t>Hansen -</a:t>
+            </a:r>
+            <a:endParaRPr lang="da-DK" dirty="0"/>
           </a:p>
           <a:p>
             <a:r>

--- a/Præsentation.pptx
+++ b/Præsentation.pptx
@@ -3410,19 +3410,19 @@
           <a:p>
             <a:r>
               <a:rPr lang="da-DK" dirty="0"/>
-              <a:t>Oskar T. Hansen -</a:t>
+              <a:t>Oskar T. Hansen – au575348</a:t>
             </a:r>
           </a:p>
           <a:p>
             <a:r>
               <a:rPr lang="da-DK" dirty="0"/>
-              <a:t>Thomas Møller -</a:t>
+              <a:t>Thomas Møller – au580513</a:t>
             </a:r>
           </a:p>
           <a:p>
             <a:r>
               <a:rPr lang="da-DK" dirty="0"/>
-              <a:t>Mathias Nortvig Thomassen -</a:t>
+              <a:t>Mathias Nortvig Thomassen – au580521</a:t>
             </a:r>
           </a:p>
           <a:p>
